--- a/lectures/_L1b Basic Concepts.pptx
+++ b/lectures/_L1b Basic Concepts.pptx
@@ -15248,7 +15248,7 @@
           <a:graphicData uri="http://schemas.openxmlformats.org/presentationml/2006/ole">
             <mc:AlternateContent xmlns:mc="http://schemas.openxmlformats.org/markup-compatibility/2006">
               <mc:Choice xmlns:v="urn:schemas-microsoft-com:vml" Requires="v">
-                <p:oleObj spid="_x0000_s37972" name="Bitmap Image" r:id="rId4" imgW="6973273" imgH="1552792" progId="Paint.Picture">
+                <p:oleObj spid="_x0000_s37973" name="Bitmap Image" r:id="rId4" imgW="6973273" imgH="1552792" progId="Paint.Picture">
                   <p:embed/>
                 </p:oleObj>
               </mc:Choice>
@@ -19874,7 +19874,7 @@
           <a:graphicData uri="http://schemas.openxmlformats.org/presentationml/2006/ole">
             <mc:AlternateContent xmlns:mc="http://schemas.openxmlformats.org/markup-compatibility/2006">
               <mc:Choice xmlns:v="urn:schemas-microsoft-com:vml" Requires="v">
-                <p:oleObj spid="_x0000_s1059" name="Bitmap Image" r:id="rId4" imgW="7020905" imgH="3809524" progId="Paint.Picture">
+                <p:oleObj spid="_x0000_s1060" name="Bitmap Image" r:id="rId4" imgW="7020905" imgH="3809524" progId="Paint.Picture">
                   <p:embed/>
                 </p:oleObj>
               </mc:Choice>

--- a/lectures/_L1b Basic Concepts.pptx
+++ b/lectures/_L1b Basic Concepts.pptx
@@ -15248,7 +15248,7 @@
           <a:graphicData uri="http://schemas.openxmlformats.org/presentationml/2006/ole">
             <mc:AlternateContent xmlns:mc="http://schemas.openxmlformats.org/markup-compatibility/2006">
               <mc:Choice xmlns:v="urn:schemas-microsoft-com:vml" Requires="v">
-                <p:oleObj spid="_x0000_s37973" name="Bitmap Image" r:id="rId4" imgW="6973273" imgH="1552792" progId="Paint.Picture">
+                <p:oleObj spid="_x0000_s37974" name="Bitmap Image" r:id="rId4" imgW="6973273" imgH="1552792" progId="Paint.Picture">
                   <p:embed/>
                 </p:oleObj>
               </mc:Choice>
@@ -19874,7 +19874,7 @@
           <a:graphicData uri="http://schemas.openxmlformats.org/presentationml/2006/ole">
             <mc:AlternateContent xmlns:mc="http://schemas.openxmlformats.org/markup-compatibility/2006">
               <mc:Choice xmlns:v="urn:schemas-microsoft-com:vml" Requires="v">
-                <p:oleObj spid="_x0000_s1060" name="Bitmap Image" r:id="rId4" imgW="7020905" imgH="3809524" progId="Paint.Picture">
+                <p:oleObj spid="_x0000_s1061" name="Bitmap Image" r:id="rId4" imgW="7020905" imgH="3809524" progId="Paint.Picture">
                   <p:embed/>
                 </p:oleObj>
               </mc:Choice>

--- a/lectures/_L1b Basic Concepts.pptx
+++ b/lectures/_L1b Basic Concepts.pptx
@@ -322,14 +322,14 @@
           <a:effectLst/>
           <a:extLst>
             <a:ext uri="{909E8E84-426E-40dd-AFC4-6F175D3DCCD1}">
-              <a14:hiddenFill xmlns:a14="http://schemas.microsoft.com/office/drawing/2010/main" xmlns="">
+              <a14:hiddenFill xmlns="" xmlns:a14="http://schemas.microsoft.com/office/drawing/2010/main">
                 <a:solidFill>
                   <a:srgbClr val="FFFFFF"/>
                 </a:solidFill>
               </a14:hiddenFill>
             </a:ext>
             <a:ext uri="{91240B29-F687-4f45-9708-019B960494DF}">
-              <a14:hiddenLine xmlns:a14="http://schemas.microsoft.com/office/drawing/2010/main" xmlns="" w="12700">
+              <a14:hiddenLine xmlns="" xmlns:a14="http://schemas.microsoft.com/office/drawing/2010/main" w="12700">
                 <a:solidFill>
                   <a:srgbClr val="000000"/>
                 </a:solidFill>
@@ -339,7 +339,7 @@
               </a14:hiddenLine>
             </a:ext>
             <a:ext uri="{AF507438-7753-43e0-B8FC-AC1667EBCBE1}">
-              <a14:hiddenEffects xmlns:a14="http://schemas.microsoft.com/office/drawing/2010/main" xmlns="">
+              <a14:hiddenEffects xmlns="" xmlns:a14="http://schemas.microsoft.com/office/drawing/2010/main">
                 <a:effectLst>
                   <a:outerShdw dist="35921" dir="2700000" algn="ctr" rotWithShape="0">
                     <a:srgbClr val="808080"/>
@@ -348,7 +348,7 @@
               </a14:hiddenEffects>
             </a:ext>
             <a:ext uri="{53640926-AAD7-44d8-BBD7-CCE9431645EC}">
-              <a14:shadowObscured xmlns:a14="http://schemas.microsoft.com/office/drawing/2010/main" xmlns="" val="1"/>
+              <a14:shadowObscured xmlns="" xmlns:a14="http://schemas.microsoft.com/office/drawing/2010/main" val="1"/>
             </a:ext>
           </a:extLst>
         </p:spPr>
@@ -541,14 +541,14 @@
           <a:ln/>
           <a:extLst>
             <a:ext uri="{909E8E84-426E-40dd-AFC4-6F175D3DCCD1}">
-              <a14:hiddenFill xmlns:a14="http://schemas.microsoft.com/office/drawing/2010/main" xmlns="">
+              <a14:hiddenFill xmlns="" xmlns:a14="http://schemas.microsoft.com/office/drawing/2010/main">
                 <a:solidFill>
                   <a:srgbClr val="FFFFFF"/>
                 </a:solidFill>
               </a14:hiddenFill>
             </a:ext>
             <a:ext uri="{91240B29-F687-4f45-9708-019B960494DF}">
-              <a14:hiddenLine xmlns:a14="http://schemas.microsoft.com/office/drawing/2010/main" xmlns="" w="9525">
+              <a14:hiddenLine xmlns="" xmlns:a14="http://schemas.microsoft.com/office/drawing/2010/main" w="9525">
                 <a:solidFill>
                   <a:srgbClr val="000000"/>
                 </a:solidFill>
@@ -732,7 +732,7 @@
           </a:ln>
           <a:extLst>
             <a:ext uri="{FAA26D3D-D897-4be2-8F04-BA451C77F1D7}">
-              <ma14:placeholderFlag xmlns:ma14="http://schemas.microsoft.com/office/mac/drawingml/2011/main" xmlns="" val="1"/>
+              <ma14:placeholderFlag xmlns="" xmlns:ma14="http://schemas.microsoft.com/office/mac/drawingml/2011/main" val="1"/>
             </a:ext>
           </a:extLst>
         </p:spPr>
@@ -794,14 +794,14 @@
           <a:ln/>
           <a:extLst>
             <a:ext uri="{909E8E84-426E-40dd-AFC4-6F175D3DCCD1}">
-              <a14:hiddenFill xmlns:a14="http://schemas.microsoft.com/office/drawing/2010/main" xmlns="">
+              <a14:hiddenFill xmlns="" xmlns:a14="http://schemas.microsoft.com/office/drawing/2010/main">
                 <a:solidFill>
                   <a:srgbClr val="FFFFFF"/>
                 </a:solidFill>
               </a14:hiddenFill>
             </a:ext>
             <a:ext uri="{91240B29-F687-4f45-9708-019B960494DF}">
-              <a14:hiddenLine xmlns:a14="http://schemas.microsoft.com/office/drawing/2010/main" xmlns="" w="9525">
+              <a14:hiddenLine xmlns="" xmlns:a14="http://schemas.microsoft.com/office/drawing/2010/main" w="9525">
                 <a:solidFill>
                   <a:srgbClr val="000000"/>
                 </a:solidFill>
@@ -985,7 +985,7 @@
           </a:ln>
           <a:extLst>
             <a:ext uri="{FAA26D3D-D897-4be2-8F04-BA451C77F1D7}">
-              <ma14:placeholderFlag xmlns:ma14="http://schemas.microsoft.com/office/mac/drawingml/2011/main" xmlns="" val="1"/>
+              <ma14:placeholderFlag xmlns="" xmlns:ma14="http://schemas.microsoft.com/office/mac/drawingml/2011/main" val="1"/>
             </a:ext>
           </a:extLst>
         </p:spPr>
@@ -1047,14 +1047,14 @@
           <a:ln/>
           <a:extLst>
             <a:ext uri="{909E8E84-426E-40dd-AFC4-6F175D3DCCD1}">
-              <a14:hiddenFill xmlns:a14="http://schemas.microsoft.com/office/drawing/2010/main" xmlns="">
+              <a14:hiddenFill xmlns="" xmlns:a14="http://schemas.microsoft.com/office/drawing/2010/main">
                 <a:solidFill>
                   <a:srgbClr val="FFFFFF"/>
                 </a:solidFill>
               </a14:hiddenFill>
             </a:ext>
             <a:ext uri="{91240B29-F687-4f45-9708-019B960494DF}">
-              <a14:hiddenLine xmlns:a14="http://schemas.microsoft.com/office/drawing/2010/main" xmlns="" w="9525">
+              <a14:hiddenLine xmlns="" xmlns:a14="http://schemas.microsoft.com/office/drawing/2010/main" w="9525">
                 <a:solidFill>
                   <a:srgbClr val="000000"/>
                 </a:solidFill>
@@ -1238,7 +1238,7 @@
           </a:ln>
           <a:extLst>
             <a:ext uri="{FAA26D3D-D897-4be2-8F04-BA451C77F1D7}">
-              <ma14:placeholderFlag xmlns:ma14="http://schemas.microsoft.com/office/mac/drawingml/2011/main" xmlns="" val="1"/>
+              <ma14:placeholderFlag xmlns="" xmlns:ma14="http://schemas.microsoft.com/office/mac/drawingml/2011/main" val="1"/>
             </a:ext>
           </a:extLst>
         </p:spPr>
@@ -1300,14 +1300,14 @@
           <a:ln/>
           <a:extLst>
             <a:ext uri="{909E8E84-426E-40dd-AFC4-6F175D3DCCD1}">
-              <a14:hiddenFill xmlns:a14="http://schemas.microsoft.com/office/drawing/2010/main" xmlns="">
+              <a14:hiddenFill xmlns="" xmlns:a14="http://schemas.microsoft.com/office/drawing/2010/main">
                 <a:solidFill>
                   <a:srgbClr val="FFFFFF"/>
                 </a:solidFill>
               </a14:hiddenFill>
             </a:ext>
             <a:ext uri="{91240B29-F687-4f45-9708-019B960494DF}">
-              <a14:hiddenLine xmlns:a14="http://schemas.microsoft.com/office/drawing/2010/main" xmlns="" w="9525">
+              <a14:hiddenLine xmlns="" xmlns:a14="http://schemas.microsoft.com/office/drawing/2010/main" w="9525">
                 <a:solidFill>
                   <a:srgbClr val="000000"/>
                 </a:solidFill>
@@ -1491,7 +1491,7 @@
           </a:ln>
           <a:extLst>
             <a:ext uri="{FAA26D3D-D897-4be2-8F04-BA451C77F1D7}">
-              <ma14:placeholderFlag xmlns:ma14="http://schemas.microsoft.com/office/mac/drawingml/2011/main" xmlns="" val="1"/>
+              <ma14:placeholderFlag xmlns="" xmlns:ma14="http://schemas.microsoft.com/office/mac/drawingml/2011/main" val="1"/>
             </a:ext>
           </a:extLst>
         </p:spPr>
@@ -1553,14 +1553,14 @@
           <a:ln/>
           <a:extLst>
             <a:ext uri="{909E8E84-426E-40dd-AFC4-6F175D3DCCD1}">
-              <a14:hiddenFill xmlns:a14="http://schemas.microsoft.com/office/drawing/2010/main" xmlns="">
+              <a14:hiddenFill xmlns="" xmlns:a14="http://schemas.microsoft.com/office/drawing/2010/main">
                 <a:solidFill>
                   <a:srgbClr val="FFFFFF"/>
                 </a:solidFill>
               </a14:hiddenFill>
             </a:ext>
             <a:ext uri="{91240B29-F687-4f45-9708-019B960494DF}">
-              <a14:hiddenLine xmlns:a14="http://schemas.microsoft.com/office/drawing/2010/main" xmlns="" w="9525">
+              <a14:hiddenLine xmlns="" xmlns:a14="http://schemas.microsoft.com/office/drawing/2010/main" w="9525">
                 <a:solidFill>
                   <a:srgbClr val="000000"/>
                 </a:solidFill>
@@ -1744,7 +1744,7 @@
           </a:ln>
           <a:extLst>
             <a:ext uri="{FAA26D3D-D897-4be2-8F04-BA451C77F1D7}">
-              <ma14:placeholderFlag xmlns:ma14="http://schemas.microsoft.com/office/mac/drawingml/2011/main" xmlns="" val="1"/>
+              <ma14:placeholderFlag xmlns="" xmlns:ma14="http://schemas.microsoft.com/office/mac/drawingml/2011/main" val="1"/>
             </a:ext>
           </a:extLst>
         </p:spPr>
@@ -1806,14 +1806,14 @@
           <a:ln/>
           <a:extLst>
             <a:ext uri="{909E8E84-426E-40dd-AFC4-6F175D3DCCD1}">
-              <a14:hiddenFill xmlns:a14="http://schemas.microsoft.com/office/drawing/2010/main" xmlns="">
+              <a14:hiddenFill xmlns="" xmlns:a14="http://schemas.microsoft.com/office/drawing/2010/main">
                 <a:solidFill>
                   <a:srgbClr val="FFFFFF"/>
                 </a:solidFill>
               </a14:hiddenFill>
             </a:ext>
             <a:ext uri="{91240B29-F687-4f45-9708-019B960494DF}">
-              <a14:hiddenLine xmlns:a14="http://schemas.microsoft.com/office/drawing/2010/main" xmlns="" w="9525">
+              <a14:hiddenLine xmlns="" xmlns:a14="http://schemas.microsoft.com/office/drawing/2010/main" w="9525">
                 <a:solidFill>
                   <a:srgbClr val="000000"/>
                 </a:solidFill>
@@ -1997,7 +1997,7 @@
           </a:ln>
           <a:extLst>
             <a:ext uri="{FAA26D3D-D897-4be2-8F04-BA451C77F1D7}">
-              <ma14:placeholderFlag xmlns:ma14="http://schemas.microsoft.com/office/mac/drawingml/2011/main" xmlns="" val="1"/>
+              <ma14:placeholderFlag xmlns="" xmlns:ma14="http://schemas.microsoft.com/office/mac/drawingml/2011/main" val="1"/>
             </a:ext>
           </a:extLst>
         </p:spPr>
@@ -2059,14 +2059,14 @@
           <a:ln/>
           <a:extLst>
             <a:ext uri="{909E8E84-426E-40dd-AFC4-6F175D3DCCD1}">
-              <a14:hiddenFill xmlns:a14="http://schemas.microsoft.com/office/drawing/2010/main" xmlns="">
+              <a14:hiddenFill xmlns="" xmlns:a14="http://schemas.microsoft.com/office/drawing/2010/main">
                 <a:solidFill>
                   <a:srgbClr val="FFFFFF"/>
                 </a:solidFill>
               </a14:hiddenFill>
             </a:ext>
             <a:ext uri="{91240B29-F687-4f45-9708-019B960494DF}">
-              <a14:hiddenLine xmlns:a14="http://schemas.microsoft.com/office/drawing/2010/main" xmlns="" w="9525">
+              <a14:hiddenLine xmlns="" xmlns:a14="http://schemas.microsoft.com/office/drawing/2010/main" w="9525">
                 <a:solidFill>
                   <a:srgbClr val="000000"/>
                 </a:solidFill>
@@ -2250,7 +2250,7 @@
           </a:ln>
           <a:extLst>
             <a:ext uri="{FAA26D3D-D897-4be2-8F04-BA451C77F1D7}">
-              <ma14:placeholderFlag xmlns:ma14="http://schemas.microsoft.com/office/mac/drawingml/2011/main" xmlns="" val="1"/>
+              <ma14:placeholderFlag xmlns="" xmlns:ma14="http://schemas.microsoft.com/office/mac/drawingml/2011/main" val="1"/>
             </a:ext>
           </a:extLst>
         </p:spPr>
@@ -2312,14 +2312,14 @@
           <a:ln/>
           <a:extLst>
             <a:ext uri="{909E8E84-426E-40dd-AFC4-6F175D3DCCD1}">
-              <a14:hiddenFill xmlns:a14="http://schemas.microsoft.com/office/drawing/2010/main" xmlns="">
+              <a14:hiddenFill xmlns="" xmlns:a14="http://schemas.microsoft.com/office/drawing/2010/main">
                 <a:solidFill>
                   <a:srgbClr val="FFFFFF"/>
                 </a:solidFill>
               </a14:hiddenFill>
             </a:ext>
             <a:ext uri="{91240B29-F687-4f45-9708-019B960494DF}">
-              <a14:hiddenLine xmlns:a14="http://schemas.microsoft.com/office/drawing/2010/main" xmlns="" w="9525">
+              <a14:hiddenLine xmlns="" xmlns:a14="http://schemas.microsoft.com/office/drawing/2010/main" w="9525">
                 <a:solidFill>
                   <a:srgbClr val="000000"/>
                 </a:solidFill>
@@ -2490,14 +2490,14 @@
           <a:ln/>
           <a:extLst>
             <a:ext uri="{909E8E84-426E-40dd-AFC4-6F175D3DCCD1}">
-              <a14:hiddenFill xmlns:a14="http://schemas.microsoft.com/office/drawing/2010/main" xmlns="">
+              <a14:hiddenFill xmlns="" xmlns:a14="http://schemas.microsoft.com/office/drawing/2010/main">
                 <a:solidFill>
                   <a:srgbClr val="FFFFFF"/>
                 </a:solidFill>
               </a14:hiddenFill>
             </a:ext>
             <a:ext uri="{91240B29-F687-4f45-9708-019B960494DF}">
-              <a14:hiddenLine xmlns:a14="http://schemas.microsoft.com/office/drawing/2010/main" xmlns="" w="9525">
+              <a14:hiddenLine xmlns="" xmlns:a14="http://schemas.microsoft.com/office/drawing/2010/main" w="9525">
                 <a:solidFill>
                   <a:srgbClr val="000000"/>
                 </a:solidFill>
@@ -2507,7 +2507,7 @@
               </a14:hiddenLine>
             </a:ext>
             <a:ext uri="{FAA26D3D-D897-4be2-8F04-BA451C77F1D7}">
-              <ma14:placeholderFlag xmlns:ma14="http://schemas.microsoft.com/office/mac/drawingml/2011/main" xmlns="" val="1"/>
+              <ma14:placeholderFlag xmlns="" xmlns:ma14="http://schemas.microsoft.com/office/mac/drawingml/2011/main" val="1"/>
             </a:ext>
           </a:extLst>
         </p:spPr>
@@ -2569,14 +2569,14 @@
           <a:ln/>
           <a:extLst>
             <a:ext uri="{909E8E84-426E-40dd-AFC4-6F175D3DCCD1}">
-              <a14:hiddenFill xmlns:a14="http://schemas.microsoft.com/office/drawing/2010/main" xmlns="">
+              <a14:hiddenFill xmlns="" xmlns:a14="http://schemas.microsoft.com/office/drawing/2010/main">
                 <a:solidFill>
                   <a:srgbClr val="FFFFFF"/>
                 </a:solidFill>
               </a14:hiddenFill>
             </a:ext>
             <a:ext uri="{91240B29-F687-4f45-9708-019B960494DF}">
-              <a14:hiddenLine xmlns:a14="http://schemas.microsoft.com/office/drawing/2010/main" xmlns="" w="9525">
+              <a14:hiddenLine xmlns="" xmlns:a14="http://schemas.microsoft.com/office/drawing/2010/main" w="9525">
                 <a:solidFill>
                   <a:srgbClr val="000000"/>
                 </a:solidFill>
@@ -2747,14 +2747,14 @@
           <a:ln/>
           <a:extLst>
             <a:ext uri="{909E8E84-426E-40dd-AFC4-6F175D3DCCD1}">
-              <a14:hiddenFill xmlns:a14="http://schemas.microsoft.com/office/drawing/2010/main" xmlns="">
+              <a14:hiddenFill xmlns="" xmlns:a14="http://schemas.microsoft.com/office/drawing/2010/main">
                 <a:solidFill>
                   <a:srgbClr val="FFFFFF"/>
                 </a:solidFill>
               </a14:hiddenFill>
             </a:ext>
             <a:ext uri="{91240B29-F687-4f45-9708-019B960494DF}">
-              <a14:hiddenLine xmlns:a14="http://schemas.microsoft.com/office/drawing/2010/main" xmlns="" w="9525">
+              <a14:hiddenLine xmlns="" xmlns:a14="http://schemas.microsoft.com/office/drawing/2010/main" w="9525">
                 <a:solidFill>
                   <a:srgbClr val="000000"/>
                 </a:solidFill>
@@ -2764,7 +2764,7 @@
               </a14:hiddenLine>
             </a:ext>
             <a:ext uri="{FAA26D3D-D897-4be2-8F04-BA451C77F1D7}">
-              <ma14:placeholderFlag xmlns:ma14="http://schemas.microsoft.com/office/mac/drawingml/2011/main" xmlns="" val="1"/>
+              <ma14:placeholderFlag xmlns="" xmlns:ma14="http://schemas.microsoft.com/office/mac/drawingml/2011/main" val="1"/>
             </a:ext>
           </a:extLst>
         </p:spPr>
@@ -2826,14 +2826,14 @@
           <a:ln/>
           <a:extLst>
             <a:ext uri="{909E8E84-426E-40dd-AFC4-6F175D3DCCD1}">
-              <a14:hiddenFill xmlns:a14="http://schemas.microsoft.com/office/drawing/2010/main" xmlns="">
+              <a14:hiddenFill xmlns="" xmlns:a14="http://schemas.microsoft.com/office/drawing/2010/main">
                 <a:solidFill>
                   <a:srgbClr val="FFFFFF"/>
                 </a:solidFill>
               </a14:hiddenFill>
             </a:ext>
             <a:ext uri="{91240B29-F687-4f45-9708-019B960494DF}">
-              <a14:hiddenLine xmlns:a14="http://schemas.microsoft.com/office/drawing/2010/main" xmlns="" w="9525">
+              <a14:hiddenLine xmlns="" xmlns:a14="http://schemas.microsoft.com/office/drawing/2010/main" w="9525">
                 <a:solidFill>
                   <a:srgbClr val="000000"/>
                 </a:solidFill>
@@ -3004,14 +3004,14 @@
           <a:ln/>
           <a:extLst>
             <a:ext uri="{909E8E84-426E-40dd-AFC4-6F175D3DCCD1}">
-              <a14:hiddenFill xmlns:a14="http://schemas.microsoft.com/office/drawing/2010/main" xmlns="">
+              <a14:hiddenFill xmlns="" xmlns:a14="http://schemas.microsoft.com/office/drawing/2010/main">
                 <a:solidFill>
                   <a:srgbClr val="FFFFFF"/>
                 </a:solidFill>
               </a14:hiddenFill>
             </a:ext>
             <a:ext uri="{91240B29-F687-4f45-9708-019B960494DF}">
-              <a14:hiddenLine xmlns:a14="http://schemas.microsoft.com/office/drawing/2010/main" xmlns="" w="9525">
+              <a14:hiddenLine xmlns="" xmlns:a14="http://schemas.microsoft.com/office/drawing/2010/main" w="9525">
                 <a:solidFill>
                   <a:srgbClr val="000000"/>
                 </a:solidFill>
@@ -3021,7 +3021,7 @@
               </a14:hiddenLine>
             </a:ext>
             <a:ext uri="{FAA26D3D-D897-4be2-8F04-BA451C77F1D7}">
-              <ma14:placeholderFlag xmlns:ma14="http://schemas.microsoft.com/office/mac/drawingml/2011/main" xmlns="" val="1"/>
+              <ma14:placeholderFlag xmlns="" xmlns:ma14="http://schemas.microsoft.com/office/mac/drawingml/2011/main" val="1"/>
             </a:ext>
           </a:extLst>
         </p:spPr>
@@ -3083,14 +3083,14 @@
           <a:ln/>
           <a:extLst>
             <a:ext uri="{909E8E84-426E-40dd-AFC4-6F175D3DCCD1}">
-              <a14:hiddenFill xmlns:a14="http://schemas.microsoft.com/office/drawing/2010/main" xmlns="">
+              <a14:hiddenFill xmlns="" xmlns:a14="http://schemas.microsoft.com/office/drawing/2010/main">
                 <a:solidFill>
                   <a:srgbClr val="FFFFFF"/>
                 </a:solidFill>
               </a14:hiddenFill>
             </a:ext>
             <a:ext uri="{91240B29-F687-4f45-9708-019B960494DF}">
-              <a14:hiddenLine xmlns:a14="http://schemas.microsoft.com/office/drawing/2010/main" xmlns="" w="9525">
+              <a14:hiddenLine xmlns="" xmlns:a14="http://schemas.microsoft.com/office/drawing/2010/main" w="9525">
                 <a:solidFill>
                   <a:srgbClr val="000000"/>
                 </a:solidFill>
@@ -3261,14 +3261,14 @@
           <a:ln/>
           <a:extLst>
             <a:ext uri="{909E8E84-426E-40dd-AFC4-6F175D3DCCD1}">
-              <a14:hiddenFill xmlns:a14="http://schemas.microsoft.com/office/drawing/2010/main" xmlns="">
+              <a14:hiddenFill xmlns="" xmlns:a14="http://schemas.microsoft.com/office/drawing/2010/main">
                 <a:solidFill>
                   <a:srgbClr val="FFFFFF"/>
                 </a:solidFill>
               </a14:hiddenFill>
             </a:ext>
             <a:ext uri="{91240B29-F687-4f45-9708-019B960494DF}">
-              <a14:hiddenLine xmlns:a14="http://schemas.microsoft.com/office/drawing/2010/main" xmlns="" w="9525">
+              <a14:hiddenLine xmlns="" xmlns:a14="http://schemas.microsoft.com/office/drawing/2010/main" w="9525">
                 <a:solidFill>
                   <a:srgbClr val="000000"/>
                 </a:solidFill>
@@ -3278,7 +3278,7 @@
               </a14:hiddenLine>
             </a:ext>
             <a:ext uri="{FAA26D3D-D897-4be2-8F04-BA451C77F1D7}">
-              <ma14:placeholderFlag xmlns:ma14="http://schemas.microsoft.com/office/mac/drawingml/2011/main" xmlns="" val="1"/>
+              <ma14:placeholderFlag xmlns="" xmlns:ma14="http://schemas.microsoft.com/office/mac/drawingml/2011/main" val="1"/>
             </a:ext>
           </a:extLst>
         </p:spPr>
@@ -3340,14 +3340,14 @@
           <a:ln/>
           <a:extLst>
             <a:ext uri="{909E8E84-426E-40dd-AFC4-6F175D3DCCD1}">
-              <a14:hiddenFill xmlns:a14="http://schemas.microsoft.com/office/drawing/2010/main" xmlns="">
+              <a14:hiddenFill xmlns="" xmlns:a14="http://schemas.microsoft.com/office/drawing/2010/main">
                 <a:solidFill>
                   <a:srgbClr val="FFFFFF"/>
                 </a:solidFill>
               </a14:hiddenFill>
             </a:ext>
             <a:ext uri="{91240B29-F687-4f45-9708-019B960494DF}">
-              <a14:hiddenLine xmlns:a14="http://schemas.microsoft.com/office/drawing/2010/main" xmlns="" w="9525">
+              <a14:hiddenLine xmlns="" xmlns:a14="http://schemas.microsoft.com/office/drawing/2010/main" w="9525">
                 <a:solidFill>
                   <a:srgbClr val="000000"/>
                 </a:solidFill>
@@ -3518,14 +3518,14 @@
           <a:ln/>
           <a:extLst>
             <a:ext uri="{909E8E84-426E-40dd-AFC4-6F175D3DCCD1}">
-              <a14:hiddenFill xmlns:a14="http://schemas.microsoft.com/office/drawing/2010/main" xmlns="">
+              <a14:hiddenFill xmlns="" xmlns:a14="http://schemas.microsoft.com/office/drawing/2010/main">
                 <a:solidFill>
                   <a:srgbClr val="FFFFFF"/>
                 </a:solidFill>
               </a14:hiddenFill>
             </a:ext>
             <a:ext uri="{91240B29-F687-4f45-9708-019B960494DF}">
-              <a14:hiddenLine xmlns:a14="http://schemas.microsoft.com/office/drawing/2010/main" xmlns="" w="9525">
+              <a14:hiddenLine xmlns="" xmlns:a14="http://schemas.microsoft.com/office/drawing/2010/main" w="9525">
                 <a:solidFill>
                   <a:srgbClr val="000000"/>
                 </a:solidFill>
@@ -3535,7 +3535,7 @@
               </a14:hiddenLine>
             </a:ext>
             <a:ext uri="{FAA26D3D-D897-4be2-8F04-BA451C77F1D7}">
-              <ma14:placeholderFlag xmlns:ma14="http://schemas.microsoft.com/office/mac/drawingml/2011/main" xmlns="" val="1"/>
+              <ma14:placeholderFlag xmlns="" xmlns:ma14="http://schemas.microsoft.com/office/mac/drawingml/2011/main" val="1"/>
             </a:ext>
           </a:extLst>
         </p:spPr>
@@ -3597,14 +3597,14 @@
           <a:ln/>
           <a:extLst>
             <a:ext uri="{909E8E84-426E-40dd-AFC4-6F175D3DCCD1}">
-              <a14:hiddenFill xmlns:a14="http://schemas.microsoft.com/office/drawing/2010/main" xmlns="">
+              <a14:hiddenFill xmlns="" xmlns:a14="http://schemas.microsoft.com/office/drawing/2010/main">
                 <a:solidFill>
                   <a:srgbClr val="FFFFFF"/>
                 </a:solidFill>
               </a14:hiddenFill>
             </a:ext>
             <a:ext uri="{91240B29-F687-4f45-9708-019B960494DF}">
-              <a14:hiddenLine xmlns:a14="http://schemas.microsoft.com/office/drawing/2010/main" xmlns="" w="9525">
+              <a14:hiddenLine xmlns="" xmlns:a14="http://schemas.microsoft.com/office/drawing/2010/main" w="9525">
                 <a:solidFill>
                   <a:srgbClr val="000000"/>
                 </a:solidFill>
@@ -3775,14 +3775,14 @@
           <a:ln/>
           <a:extLst>
             <a:ext uri="{909E8E84-426E-40dd-AFC4-6F175D3DCCD1}">
-              <a14:hiddenFill xmlns:a14="http://schemas.microsoft.com/office/drawing/2010/main" xmlns="">
+              <a14:hiddenFill xmlns="" xmlns:a14="http://schemas.microsoft.com/office/drawing/2010/main">
                 <a:solidFill>
                   <a:srgbClr val="FFFFFF"/>
                 </a:solidFill>
               </a14:hiddenFill>
             </a:ext>
             <a:ext uri="{91240B29-F687-4f45-9708-019B960494DF}">
-              <a14:hiddenLine xmlns:a14="http://schemas.microsoft.com/office/drawing/2010/main" xmlns="" w="9525">
+              <a14:hiddenLine xmlns="" xmlns:a14="http://schemas.microsoft.com/office/drawing/2010/main" w="9525">
                 <a:solidFill>
                   <a:srgbClr val="000000"/>
                 </a:solidFill>
@@ -3792,7 +3792,7 @@
               </a14:hiddenLine>
             </a:ext>
             <a:ext uri="{FAA26D3D-D897-4be2-8F04-BA451C77F1D7}">
-              <ma14:placeholderFlag xmlns:ma14="http://schemas.microsoft.com/office/mac/drawingml/2011/main" xmlns="" val="1"/>
+              <ma14:placeholderFlag xmlns="" xmlns:ma14="http://schemas.microsoft.com/office/mac/drawingml/2011/main" val="1"/>
             </a:ext>
           </a:extLst>
         </p:spPr>
@@ -3854,14 +3854,14 @@
           <a:ln/>
           <a:extLst>
             <a:ext uri="{909E8E84-426E-40dd-AFC4-6F175D3DCCD1}">
-              <a14:hiddenFill xmlns:a14="http://schemas.microsoft.com/office/drawing/2010/main" xmlns="">
+              <a14:hiddenFill xmlns="" xmlns:a14="http://schemas.microsoft.com/office/drawing/2010/main">
                 <a:solidFill>
                   <a:srgbClr val="FFFFFF"/>
                 </a:solidFill>
               </a14:hiddenFill>
             </a:ext>
             <a:ext uri="{91240B29-F687-4f45-9708-019B960494DF}">
-              <a14:hiddenLine xmlns:a14="http://schemas.microsoft.com/office/drawing/2010/main" xmlns="" w="9525">
+              <a14:hiddenLine xmlns="" xmlns:a14="http://schemas.microsoft.com/office/drawing/2010/main" w="9525">
                 <a:solidFill>
                   <a:srgbClr val="000000"/>
                 </a:solidFill>
@@ -4032,14 +4032,14 @@
           <a:ln/>
           <a:extLst>
             <a:ext uri="{909E8E84-426E-40dd-AFC4-6F175D3DCCD1}">
-              <a14:hiddenFill xmlns:a14="http://schemas.microsoft.com/office/drawing/2010/main" xmlns="">
+              <a14:hiddenFill xmlns="" xmlns:a14="http://schemas.microsoft.com/office/drawing/2010/main">
                 <a:solidFill>
                   <a:srgbClr val="FFFFFF"/>
                 </a:solidFill>
               </a14:hiddenFill>
             </a:ext>
             <a:ext uri="{91240B29-F687-4f45-9708-019B960494DF}">
-              <a14:hiddenLine xmlns:a14="http://schemas.microsoft.com/office/drawing/2010/main" xmlns="" w="9525">
+              <a14:hiddenLine xmlns="" xmlns:a14="http://schemas.microsoft.com/office/drawing/2010/main" w="9525">
                 <a:solidFill>
                   <a:srgbClr val="000000"/>
                 </a:solidFill>
@@ -4049,7 +4049,7 @@
               </a14:hiddenLine>
             </a:ext>
             <a:ext uri="{FAA26D3D-D897-4be2-8F04-BA451C77F1D7}">
-              <ma14:placeholderFlag xmlns:ma14="http://schemas.microsoft.com/office/mac/drawingml/2011/main" xmlns="" val="1"/>
+              <ma14:placeholderFlag xmlns="" xmlns:ma14="http://schemas.microsoft.com/office/mac/drawingml/2011/main" val="1"/>
             </a:ext>
           </a:extLst>
         </p:spPr>
@@ -4111,14 +4111,14 @@
           <a:ln/>
           <a:extLst>
             <a:ext uri="{909E8E84-426E-40dd-AFC4-6F175D3DCCD1}">
-              <a14:hiddenFill xmlns:a14="http://schemas.microsoft.com/office/drawing/2010/main" xmlns="">
+              <a14:hiddenFill xmlns="" xmlns:a14="http://schemas.microsoft.com/office/drawing/2010/main">
                 <a:solidFill>
                   <a:srgbClr val="FFFFFF"/>
                 </a:solidFill>
               </a14:hiddenFill>
             </a:ext>
             <a:ext uri="{91240B29-F687-4f45-9708-019B960494DF}">
-              <a14:hiddenLine xmlns:a14="http://schemas.microsoft.com/office/drawing/2010/main" xmlns="" w="9525">
+              <a14:hiddenLine xmlns="" xmlns:a14="http://schemas.microsoft.com/office/drawing/2010/main" w="9525">
                 <a:solidFill>
                   <a:srgbClr val="000000"/>
                 </a:solidFill>
@@ -4289,14 +4289,14 @@
           <a:ln/>
           <a:extLst>
             <a:ext uri="{909E8E84-426E-40dd-AFC4-6F175D3DCCD1}">
-              <a14:hiddenFill xmlns:a14="http://schemas.microsoft.com/office/drawing/2010/main" xmlns="">
+              <a14:hiddenFill xmlns="" xmlns:a14="http://schemas.microsoft.com/office/drawing/2010/main">
                 <a:solidFill>
                   <a:srgbClr val="FFFFFF"/>
                 </a:solidFill>
               </a14:hiddenFill>
             </a:ext>
             <a:ext uri="{91240B29-F687-4f45-9708-019B960494DF}">
-              <a14:hiddenLine xmlns:a14="http://schemas.microsoft.com/office/drawing/2010/main" xmlns="" w="9525">
+              <a14:hiddenLine xmlns="" xmlns:a14="http://schemas.microsoft.com/office/drawing/2010/main" w="9525">
                 <a:solidFill>
                   <a:srgbClr val="000000"/>
                 </a:solidFill>
@@ -4306,7 +4306,7 @@
               </a14:hiddenLine>
             </a:ext>
             <a:ext uri="{FAA26D3D-D897-4be2-8F04-BA451C77F1D7}">
-              <ma14:placeholderFlag xmlns:ma14="http://schemas.microsoft.com/office/mac/drawingml/2011/main" xmlns="" val="1"/>
+              <ma14:placeholderFlag xmlns="" xmlns:ma14="http://schemas.microsoft.com/office/mac/drawingml/2011/main" val="1"/>
             </a:ext>
           </a:extLst>
         </p:spPr>
@@ -4368,14 +4368,14 @@
           <a:ln/>
           <a:extLst>
             <a:ext uri="{909E8E84-426E-40dd-AFC4-6F175D3DCCD1}">
-              <a14:hiddenFill xmlns:a14="http://schemas.microsoft.com/office/drawing/2010/main" xmlns="">
+              <a14:hiddenFill xmlns="" xmlns:a14="http://schemas.microsoft.com/office/drawing/2010/main">
                 <a:solidFill>
                   <a:srgbClr val="FFFFFF"/>
                 </a:solidFill>
               </a14:hiddenFill>
             </a:ext>
             <a:ext uri="{91240B29-F687-4f45-9708-019B960494DF}">
-              <a14:hiddenLine xmlns:a14="http://schemas.microsoft.com/office/drawing/2010/main" xmlns="" w="9525">
+              <a14:hiddenLine xmlns="" xmlns:a14="http://schemas.microsoft.com/office/drawing/2010/main" w="9525">
                 <a:solidFill>
                   <a:srgbClr val="000000"/>
                 </a:solidFill>
@@ -4546,14 +4546,14 @@
           <a:ln/>
           <a:extLst>
             <a:ext uri="{909E8E84-426E-40dd-AFC4-6F175D3DCCD1}">
-              <a14:hiddenFill xmlns:a14="http://schemas.microsoft.com/office/drawing/2010/main" xmlns="">
+              <a14:hiddenFill xmlns="" xmlns:a14="http://schemas.microsoft.com/office/drawing/2010/main">
                 <a:solidFill>
                   <a:srgbClr val="FFFFFF"/>
                 </a:solidFill>
               </a14:hiddenFill>
             </a:ext>
             <a:ext uri="{91240B29-F687-4f45-9708-019B960494DF}">
-              <a14:hiddenLine xmlns:a14="http://schemas.microsoft.com/office/drawing/2010/main" xmlns="" w="9525">
+              <a14:hiddenLine xmlns="" xmlns:a14="http://schemas.microsoft.com/office/drawing/2010/main" w="9525">
                 <a:solidFill>
                   <a:srgbClr val="000000"/>
                 </a:solidFill>
@@ -4563,7 +4563,7 @@
               </a14:hiddenLine>
             </a:ext>
             <a:ext uri="{FAA26D3D-D897-4be2-8F04-BA451C77F1D7}">
-              <ma14:placeholderFlag xmlns:ma14="http://schemas.microsoft.com/office/mac/drawingml/2011/main" xmlns="" val="1"/>
+              <ma14:placeholderFlag xmlns="" xmlns:ma14="http://schemas.microsoft.com/office/mac/drawingml/2011/main" val="1"/>
             </a:ext>
           </a:extLst>
         </p:spPr>
@@ -4625,14 +4625,14 @@
           <a:ln/>
           <a:extLst>
             <a:ext uri="{909E8E84-426E-40dd-AFC4-6F175D3DCCD1}">
-              <a14:hiddenFill xmlns:a14="http://schemas.microsoft.com/office/drawing/2010/main" xmlns="">
+              <a14:hiddenFill xmlns="" xmlns:a14="http://schemas.microsoft.com/office/drawing/2010/main">
                 <a:solidFill>
                   <a:srgbClr val="FFFFFF"/>
                 </a:solidFill>
               </a14:hiddenFill>
             </a:ext>
             <a:ext uri="{91240B29-F687-4f45-9708-019B960494DF}">
-              <a14:hiddenLine xmlns:a14="http://schemas.microsoft.com/office/drawing/2010/main" xmlns="" w="9525">
+              <a14:hiddenLine xmlns="" xmlns:a14="http://schemas.microsoft.com/office/drawing/2010/main" w="9525">
                 <a:solidFill>
                   <a:srgbClr val="000000"/>
                 </a:solidFill>
@@ -4803,14 +4803,14 @@
           <a:ln/>
           <a:extLst>
             <a:ext uri="{909E8E84-426E-40dd-AFC4-6F175D3DCCD1}">
-              <a14:hiddenFill xmlns:a14="http://schemas.microsoft.com/office/drawing/2010/main" xmlns="">
+              <a14:hiddenFill xmlns="" xmlns:a14="http://schemas.microsoft.com/office/drawing/2010/main">
                 <a:solidFill>
                   <a:srgbClr val="FFFFFF"/>
                 </a:solidFill>
               </a14:hiddenFill>
             </a:ext>
             <a:ext uri="{91240B29-F687-4f45-9708-019B960494DF}">
-              <a14:hiddenLine xmlns:a14="http://schemas.microsoft.com/office/drawing/2010/main" xmlns="" w="9525">
+              <a14:hiddenLine xmlns="" xmlns:a14="http://schemas.microsoft.com/office/drawing/2010/main" w="9525">
                 <a:solidFill>
                   <a:srgbClr val="000000"/>
                 </a:solidFill>
@@ -4820,7 +4820,7 @@
               </a14:hiddenLine>
             </a:ext>
             <a:ext uri="{FAA26D3D-D897-4be2-8F04-BA451C77F1D7}">
-              <ma14:placeholderFlag xmlns:ma14="http://schemas.microsoft.com/office/mac/drawingml/2011/main" xmlns="" val="1"/>
+              <ma14:placeholderFlag xmlns="" xmlns:ma14="http://schemas.microsoft.com/office/mac/drawingml/2011/main" val="1"/>
             </a:ext>
           </a:extLst>
         </p:spPr>
@@ -4882,14 +4882,14 @@
           <a:ln/>
           <a:extLst>
             <a:ext uri="{909E8E84-426E-40dd-AFC4-6F175D3DCCD1}">
-              <a14:hiddenFill xmlns:a14="http://schemas.microsoft.com/office/drawing/2010/main" xmlns="">
+              <a14:hiddenFill xmlns="" xmlns:a14="http://schemas.microsoft.com/office/drawing/2010/main">
                 <a:solidFill>
                   <a:srgbClr val="FFFFFF"/>
                 </a:solidFill>
               </a14:hiddenFill>
             </a:ext>
             <a:ext uri="{91240B29-F687-4f45-9708-019B960494DF}">
-              <a14:hiddenLine xmlns:a14="http://schemas.microsoft.com/office/drawing/2010/main" xmlns="" w="9525">
+              <a14:hiddenLine xmlns="" xmlns:a14="http://schemas.microsoft.com/office/drawing/2010/main" w="9525">
                 <a:solidFill>
                   <a:srgbClr val="000000"/>
                 </a:solidFill>
@@ -5060,14 +5060,14 @@
           <a:ln/>
           <a:extLst>
             <a:ext uri="{909E8E84-426E-40dd-AFC4-6F175D3DCCD1}">
-              <a14:hiddenFill xmlns:a14="http://schemas.microsoft.com/office/drawing/2010/main" xmlns="">
+              <a14:hiddenFill xmlns="" xmlns:a14="http://schemas.microsoft.com/office/drawing/2010/main">
                 <a:solidFill>
                   <a:srgbClr val="FFFFFF"/>
                 </a:solidFill>
               </a14:hiddenFill>
             </a:ext>
             <a:ext uri="{91240B29-F687-4f45-9708-019B960494DF}">
-              <a14:hiddenLine xmlns:a14="http://schemas.microsoft.com/office/drawing/2010/main" xmlns="" w="9525">
+              <a14:hiddenLine xmlns="" xmlns:a14="http://schemas.microsoft.com/office/drawing/2010/main" w="9525">
                 <a:solidFill>
                   <a:srgbClr val="000000"/>
                 </a:solidFill>
@@ -5077,7 +5077,7 @@
               </a14:hiddenLine>
             </a:ext>
             <a:ext uri="{FAA26D3D-D897-4be2-8F04-BA451C77F1D7}">
-              <ma14:placeholderFlag xmlns:ma14="http://schemas.microsoft.com/office/mac/drawingml/2011/main" xmlns="" val="1"/>
+              <ma14:placeholderFlag xmlns="" xmlns:ma14="http://schemas.microsoft.com/office/mac/drawingml/2011/main" val="1"/>
             </a:ext>
           </a:extLst>
         </p:spPr>
@@ -5139,14 +5139,14 @@
           <a:ln/>
           <a:extLst>
             <a:ext uri="{909E8E84-426E-40dd-AFC4-6F175D3DCCD1}">
-              <a14:hiddenFill xmlns:a14="http://schemas.microsoft.com/office/drawing/2010/main" xmlns="">
+              <a14:hiddenFill xmlns="" xmlns:a14="http://schemas.microsoft.com/office/drawing/2010/main">
                 <a:solidFill>
                   <a:srgbClr val="FFFFFF"/>
                 </a:solidFill>
               </a14:hiddenFill>
             </a:ext>
             <a:ext uri="{91240B29-F687-4f45-9708-019B960494DF}">
-              <a14:hiddenLine xmlns:a14="http://schemas.microsoft.com/office/drawing/2010/main" xmlns="" w="9525">
+              <a14:hiddenLine xmlns="" xmlns:a14="http://schemas.microsoft.com/office/drawing/2010/main" w="9525">
                 <a:solidFill>
                   <a:srgbClr val="000000"/>
                 </a:solidFill>
@@ -5317,14 +5317,14 @@
           <a:ln/>
           <a:extLst>
             <a:ext uri="{909E8E84-426E-40dd-AFC4-6F175D3DCCD1}">
-              <a14:hiddenFill xmlns:a14="http://schemas.microsoft.com/office/drawing/2010/main" xmlns="">
+              <a14:hiddenFill xmlns="" xmlns:a14="http://schemas.microsoft.com/office/drawing/2010/main">
                 <a:solidFill>
                   <a:srgbClr val="FFFFFF"/>
                 </a:solidFill>
               </a14:hiddenFill>
             </a:ext>
             <a:ext uri="{91240B29-F687-4f45-9708-019B960494DF}">
-              <a14:hiddenLine xmlns:a14="http://schemas.microsoft.com/office/drawing/2010/main" xmlns="" w="9525">
+              <a14:hiddenLine xmlns="" xmlns:a14="http://schemas.microsoft.com/office/drawing/2010/main" w="9525">
                 <a:solidFill>
                   <a:srgbClr val="000000"/>
                 </a:solidFill>
@@ -5334,7 +5334,7 @@
               </a14:hiddenLine>
             </a:ext>
             <a:ext uri="{FAA26D3D-D897-4be2-8F04-BA451C77F1D7}">
-              <ma14:placeholderFlag xmlns:ma14="http://schemas.microsoft.com/office/mac/drawingml/2011/main" xmlns="" val="1"/>
+              <ma14:placeholderFlag xmlns="" xmlns:ma14="http://schemas.microsoft.com/office/mac/drawingml/2011/main" val="1"/>
             </a:ext>
           </a:extLst>
         </p:spPr>
@@ -5396,14 +5396,14 @@
           <a:ln/>
           <a:extLst>
             <a:ext uri="{909E8E84-426E-40dd-AFC4-6F175D3DCCD1}">
-              <a14:hiddenFill xmlns:a14="http://schemas.microsoft.com/office/drawing/2010/main" xmlns="">
+              <a14:hiddenFill xmlns="" xmlns:a14="http://schemas.microsoft.com/office/drawing/2010/main">
                 <a:solidFill>
                   <a:srgbClr val="FFFFFF"/>
                 </a:solidFill>
               </a14:hiddenFill>
             </a:ext>
             <a:ext uri="{91240B29-F687-4f45-9708-019B960494DF}">
-              <a14:hiddenLine xmlns:a14="http://schemas.microsoft.com/office/drawing/2010/main" xmlns="" w="9525">
+              <a14:hiddenLine xmlns="" xmlns:a14="http://schemas.microsoft.com/office/drawing/2010/main" w="9525">
                 <a:solidFill>
                   <a:srgbClr val="000000"/>
                 </a:solidFill>
@@ -5574,14 +5574,14 @@
           <a:ln/>
           <a:extLst>
             <a:ext uri="{909E8E84-426E-40dd-AFC4-6F175D3DCCD1}">
-              <a14:hiddenFill xmlns:a14="http://schemas.microsoft.com/office/drawing/2010/main" xmlns="">
+              <a14:hiddenFill xmlns="" xmlns:a14="http://schemas.microsoft.com/office/drawing/2010/main">
                 <a:solidFill>
                   <a:srgbClr val="FFFFFF"/>
                 </a:solidFill>
               </a14:hiddenFill>
             </a:ext>
             <a:ext uri="{91240B29-F687-4f45-9708-019B960494DF}">
-              <a14:hiddenLine xmlns:a14="http://schemas.microsoft.com/office/drawing/2010/main" xmlns="" w="9525">
+              <a14:hiddenLine xmlns="" xmlns:a14="http://schemas.microsoft.com/office/drawing/2010/main" w="9525">
                 <a:solidFill>
                   <a:srgbClr val="000000"/>
                 </a:solidFill>
@@ -5591,7 +5591,7 @@
               </a14:hiddenLine>
             </a:ext>
             <a:ext uri="{FAA26D3D-D897-4be2-8F04-BA451C77F1D7}">
-              <ma14:placeholderFlag xmlns:ma14="http://schemas.microsoft.com/office/mac/drawingml/2011/main" xmlns="" val="1"/>
+              <ma14:placeholderFlag xmlns="" xmlns:ma14="http://schemas.microsoft.com/office/mac/drawingml/2011/main" val="1"/>
             </a:ext>
           </a:extLst>
         </p:spPr>
@@ -5653,14 +5653,14 @@
           <a:ln/>
           <a:extLst>
             <a:ext uri="{909E8E84-426E-40dd-AFC4-6F175D3DCCD1}">
-              <a14:hiddenFill xmlns:a14="http://schemas.microsoft.com/office/drawing/2010/main" xmlns="">
+              <a14:hiddenFill xmlns="" xmlns:a14="http://schemas.microsoft.com/office/drawing/2010/main">
                 <a:solidFill>
                   <a:srgbClr val="FFFFFF"/>
                 </a:solidFill>
               </a14:hiddenFill>
             </a:ext>
             <a:ext uri="{91240B29-F687-4f45-9708-019B960494DF}">
-              <a14:hiddenLine xmlns:a14="http://schemas.microsoft.com/office/drawing/2010/main" xmlns="" w="9525">
+              <a14:hiddenLine xmlns="" xmlns:a14="http://schemas.microsoft.com/office/drawing/2010/main" w="9525">
                 <a:solidFill>
                   <a:srgbClr val="000000"/>
                 </a:solidFill>
@@ -5844,7 +5844,7 @@
           </a:ln>
           <a:extLst>
             <a:ext uri="{FAA26D3D-D897-4be2-8F04-BA451C77F1D7}">
-              <ma14:placeholderFlag xmlns:ma14="http://schemas.microsoft.com/office/mac/drawingml/2011/main" xmlns="" val="1"/>
+              <ma14:placeholderFlag xmlns="" xmlns:ma14="http://schemas.microsoft.com/office/mac/drawingml/2011/main" val="1"/>
             </a:ext>
           </a:extLst>
         </p:spPr>
@@ -6074,7 +6074,7 @@
                   </a:prstClr>
                 </a:solidFill>
               </a:rPr>
-              <a:t>3/29/22</a:t>
+              <a:t>3/30/22</a:t>
             </a:fld>
             <a:endParaRPr lang="en-US">
               <a:solidFill>
@@ -6296,7 +6296,7 @@
                   </a:prstClr>
                 </a:solidFill>
               </a:rPr>
-              <a:t>3/29/22</a:t>
+              <a:t>3/30/22</a:t>
             </a:fld>
             <a:endParaRPr lang="en-US">
               <a:solidFill>
@@ -6528,7 +6528,7 @@
                   </a:prstClr>
                 </a:solidFill>
               </a:rPr>
-              <a:t>3/29/22</a:t>
+              <a:t>3/30/22</a:t>
             </a:fld>
             <a:endParaRPr lang="en-US">
               <a:solidFill>
@@ -6875,7 +6875,7 @@
             </a:pPr>
             <a:fld id="{37780F11-1880-CD47-AED4-961A43E2C21D}" type="datetime1">
               <a:rPr lang="en-US" smtClean="0"/>
-              <a:t>3/29/22</a:t>
+              <a:t>3/30/22</a:t>
             </a:fld>
             <a:endParaRPr lang="en-US"/>
           </a:p>
@@ -7062,7 +7062,7 @@
                   </a:prstClr>
                 </a:solidFill>
               </a:rPr>
-              <a:t>3/29/22</a:t>
+              <a:t>3/30/22</a:t>
             </a:fld>
             <a:endParaRPr lang="en-US" dirty="0">
               <a:solidFill>
@@ -7353,7 +7353,7 @@
                   </a:prstClr>
                 </a:solidFill>
               </a:rPr>
-              <a:t>3/29/22</a:t>
+              <a:t>3/30/22</a:t>
             </a:fld>
             <a:endParaRPr lang="en-US">
               <a:solidFill>
@@ -7692,7 +7692,7 @@
                   </a:prstClr>
                 </a:solidFill>
               </a:rPr>
-              <a:t>3/29/22</a:t>
+              <a:t>3/30/22</a:t>
             </a:fld>
             <a:endParaRPr lang="en-US">
               <a:solidFill>
@@ -8165,7 +8165,7 @@
                   </a:prstClr>
                 </a:solidFill>
               </a:rPr>
-              <a:t>3/29/22</a:t>
+              <a:t>3/30/22</a:t>
             </a:fld>
             <a:endParaRPr lang="en-US">
               <a:solidFill>
@@ -8336,7 +8336,7 @@
                   </a:prstClr>
                 </a:solidFill>
               </a:rPr>
-              <a:t>3/29/22</a:t>
+              <a:t>3/30/22</a:t>
             </a:fld>
             <a:endParaRPr lang="en-US">
               <a:solidFill>
@@ -8485,7 +8485,7 @@
                   </a:prstClr>
                 </a:solidFill>
               </a:rPr>
-              <a:t>3/29/22</a:t>
+              <a:t>3/30/22</a:t>
             </a:fld>
             <a:endParaRPr lang="en-US">
               <a:solidFill>
@@ -8814,7 +8814,7 @@
                   </a:prstClr>
                 </a:solidFill>
               </a:rPr>
-              <a:t>3/29/22</a:t>
+              <a:t>3/30/22</a:t>
             </a:fld>
             <a:endParaRPr lang="en-US">
               <a:solidFill>
@@ -9123,7 +9123,7 @@
                   </a:prstClr>
                 </a:solidFill>
               </a:rPr>
-              <a:t>3/29/22</a:t>
+              <a:t>3/30/22</a:t>
             </a:fld>
             <a:endParaRPr lang="en-US">
               <a:solidFill>
@@ -9271,14 +9271,14 @@
           </a:ln>
           <a:extLst>
             <a:ext uri="{909E8E84-426E-40dd-AFC4-6F175D3DCCD1}">
-              <a14:hiddenFill xmlns:a14="http://schemas.microsoft.com/office/drawing/2010/main" xmlns="">
+              <a14:hiddenFill xmlns="" xmlns:a14="http://schemas.microsoft.com/office/drawing/2010/main">
                 <a:solidFill>
                   <a:srgbClr val="FFFFFF"/>
                 </a:solidFill>
               </a14:hiddenFill>
             </a:ext>
             <a:ext uri="{91240B29-F687-4f45-9708-019B960494DF}">
-              <a14:hiddenLine xmlns:a14="http://schemas.microsoft.com/office/drawing/2010/main" xmlns="" w="9525">
+              <a14:hiddenLine xmlns="" xmlns:a14="http://schemas.microsoft.com/office/drawing/2010/main" w="9525">
                 <a:solidFill>
                   <a:srgbClr val="000000"/>
                 </a:solidFill>
@@ -9329,14 +9329,14 @@
           </a:ln>
           <a:extLst>
             <a:ext uri="{909E8E84-426E-40dd-AFC4-6F175D3DCCD1}">
-              <a14:hiddenFill xmlns:a14="http://schemas.microsoft.com/office/drawing/2010/main" xmlns="">
+              <a14:hiddenFill xmlns="" xmlns:a14="http://schemas.microsoft.com/office/drawing/2010/main">
                 <a:solidFill>
                   <a:srgbClr val="FFFFFF"/>
                 </a:solidFill>
               </a14:hiddenFill>
             </a:ext>
             <a:ext uri="{91240B29-F687-4f45-9708-019B960494DF}">
-              <a14:hiddenLine xmlns:a14="http://schemas.microsoft.com/office/drawing/2010/main" xmlns="" w="9525">
+              <a14:hiddenLine xmlns="" xmlns:a14="http://schemas.microsoft.com/office/drawing/2010/main" w="9525">
                 <a:solidFill>
                   <a:srgbClr val="000000"/>
                 </a:solidFill>
@@ -9435,7 +9435,7 @@
                   </a:prstClr>
                 </a:solidFill>
               </a:rPr>
-              <a:t>3/29/22</a:t>
+              <a:t>3/30/22</a:t>
             </a:fld>
             <a:endParaRPr lang="en-US">
               <a:solidFill>
@@ -9991,7 +9991,7 @@
           </a:xfrm>
           <a:extLst>
             <a:ext uri="{91240B29-F687-4f45-9708-019B960494DF}">
-              <a14:hiddenLine xmlns:a14="http://schemas.microsoft.com/office/drawing/2010/main" xmlns="" w="12700">
+              <a14:hiddenLine xmlns="" xmlns:a14="http://schemas.microsoft.com/office/drawing/2010/main" w="12700">
                 <a:solidFill>
                   <a:schemeClr val="tx1"/>
                 </a:solidFill>
@@ -12652,14 +12652,14 @@
             </a:ln>
             <a:extLst>
               <a:ext uri="{909E8E84-426E-40dd-AFC4-6F175D3DCCD1}">
-                <a14:hiddenFill xmlns:a14="http://schemas.microsoft.com/office/drawing/2010/main" xmlns="">
+                <a14:hiddenFill xmlns="" xmlns:a14="http://schemas.microsoft.com/office/drawing/2010/main">
                   <a:solidFill>
                     <a:srgbClr val="FFFFFF"/>
                   </a:solidFill>
                 </a14:hiddenFill>
               </a:ext>
               <a:ext uri="{91240B29-F687-4f45-9708-019B960494DF}">
-                <a14:hiddenLine xmlns:a14="http://schemas.microsoft.com/office/drawing/2010/main" xmlns="" w="12700">
+                <a14:hiddenLine xmlns="" xmlns:a14="http://schemas.microsoft.com/office/drawing/2010/main" w="12700">
                   <a:solidFill>
                     <a:srgbClr val="000000"/>
                   </a:solidFill>
@@ -12790,14 +12790,14 @@
             </a:ln>
             <a:extLst>
               <a:ext uri="{909E8E84-426E-40dd-AFC4-6F175D3DCCD1}">
-                <a14:hiddenFill xmlns:a14="http://schemas.microsoft.com/office/drawing/2010/main" xmlns="">
+                <a14:hiddenFill xmlns="" xmlns:a14="http://schemas.microsoft.com/office/drawing/2010/main">
                   <a:solidFill>
                     <a:srgbClr val="FFFFFF"/>
                   </a:solidFill>
                 </a14:hiddenFill>
               </a:ext>
               <a:ext uri="{91240B29-F687-4f45-9708-019B960494DF}">
-                <a14:hiddenLine xmlns:a14="http://schemas.microsoft.com/office/drawing/2010/main" xmlns="" w="9525">
+                <a14:hiddenLine xmlns="" xmlns:a14="http://schemas.microsoft.com/office/drawing/2010/main" w="9525">
                   <a:solidFill>
                     <a:srgbClr val="000000"/>
                   </a:solidFill>
@@ -13054,12 +13054,12 @@
             <a:effectLst/>
             <a:extLst>
               <a:ext uri="{909E8E84-426E-40dd-AFC4-6F175D3DCCD1}">
-                <a14:hiddenFill xmlns:a14="http://schemas.microsoft.com/office/drawing/2010/main" xmlns="">
+                <a14:hiddenFill xmlns="" xmlns:a14="http://schemas.microsoft.com/office/drawing/2010/main">
                   <a:noFill/>
                 </a14:hiddenFill>
               </a:ext>
               <a:ext uri="{AF507438-7753-43e0-B8FC-AC1667EBCBE1}">
-                <a14:hiddenEffects xmlns:a14="http://schemas.microsoft.com/office/drawing/2010/main" xmlns="">
+                <a14:hiddenEffects xmlns="" xmlns:a14="http://schemas.microsoft.com/office/drawing/2010/main">
                   <a:effectLst>
                     <a:outerShdw blurRad="63500" dist="38099" dir="2700000" algn="ctr" rotWithShape="0">
                       <a:srgbClr val="000000">
@@ -13107,12 +13107,12 @@
             <a:effectLst/>
             <a:extLst>
               <a:ext uri="{909E8E84-426E-40dd-AFC4-6F175D3DCCD1}">
-                <a14:hiddenFill xmlns:a14="http://schemas.microsoft.com/office/drawing/2010/main" xmlns="">
+                <a14:hiddenFill xmlns="" xmlns:a14="http://schemas.microsoft.com/office/drawing/2010/main">
                   <a:noFill/>
                 </a14:hiddenFill>
               </a:ext>
               <a:ext uri="{AF507438-7753-43e0-B8FC-AC1667EBCBE1}">
-                <a14:hiddenEffects xmlns:a14="http://schemas.microsoft.com/office/drawing/2010/main" xmlns="">
+                <a14:hiddenEffects xmlns="" xmlns:a14="http://schemas.microsoft.com/office/drawing/2010/main">
                   <a:effectLst>
                     <a:outerShdw blurRad="63500" dist="38099" dir="2700000" algn="ctr" rotWithShape="0">
                       <a:srgbClr val="000000">
@@ -13160,12 +13160,12 @@
             <a:effectLst/>
             <a:extLst>
               <a:ext uri="{909E8E84-426E-40dd-AFC4-6F175D3DCCD1}">
-                <a14:hiddenFill xmlns:a14="http://schemas.microsoft.com/office/drawing/2010/main" xmlns="">
+                <a14:hiddenFill xmlns="" xmlns:a14="http://schemas.microsoft.com/office/drawing/2010/main">
                   <a:noFill/>
                 </a14:hiddenFill>
               </a:ext>
               <a:ext uri="{AF507438-7753-43e0-B8FC-AC1667EBCBE1}">
-                <a14:hiddenEffects xmlns:a14="http://schemas.microsoft.com/office/drawing/2010/main" xmlns="">
+                <a14:hiddenEffects xmlns="" xmlns:a14="http://schemas.microsoft.com/office/drawing/2010/main">
                   <a:effectLst>
                     <a:outerShdw blurRad="63500" dist="38099" dir="2700000" algn="ctr" rotWithShape="0">
                       <a:srgbClr val="000000">
@@ -13213,12 +13213,12 @@
             <a:effectLst/>
             <a:extLst>
               <a:ext uri="{909E8E84-426E-40dd-AFC4-6F175D3DCCD1}">
-                <a14:hiddenFill xmlns:a14="http://schemas.microsoft.com/office/drawing/2010/main" xmlns="">
+                <a14:hiddenFill xmlns="" xmlns:a14="http://schemas.microsoft.com/office/drawing/2010/main">
                   <a:noFill/>
                 </a14:hiddenFill>
               </a:ext>
               <a:ext uri="{AF507438-7753-43e0-B8FC-AC1667EBCBE1}">
-                <a14:hiddenEffects xmlns:a14="http://schemas.microsoft.com/office/drawing/2010/main" xmlns="">
+                <a14:hiddenEffects xmlns="" xmlns:a14="http://schemas.microsoft.com/office/drawing/2010/main">
                   <a:effectLst>
                     <a:outerShdw blurRad="63500" dist="38099" dir="2700000" algn="ctr" rotWithShape="0">
                       <a:srgbClr val="000000">
@@ -13303,12 +13303,12 @@
             <a:effectLst/>
             <a:extLst>
               <a:ext uri="{909E8E84-426E-40dd-AFC4-6F175D3DCCD1}">
-                <a14:hiddenFill xmlns:a14="http://schemas.microsoft.com/office/drawing/2010/main" xmlns="">
+                <a14:hiddenFill xmlns="" xmlns:a14="http://schemas.microsoft.com/office/drawing/2010/main">
                   <a:noFill/>
                 </a14:hiddenFill>
               </a:ext>
               <a:ext uri="{91240B29-F687-4f45-9708-019B960494DF}">
-                <a14:hiddenLine xmlns:a14="http://schemas.microsoft.com/office/drawing/2010/main" xmlns="" w="9525">
+                <a14:hiddenLine xmlns="" xmlns:a14="http://schemas.microsoft.com/office/drawing/2010/main" w="9525">
                   <a:solidFill>
                     <a:srgbClr val="000000"/>
                   </a:solidFill>
@@ -13318,7 +13318,7 @@
                 </a14:hiddenLine>
               </a:ext>
               <a:ext uri="{AF507438-7753-43e0-B8FC-AC1667EBCBE1}">
-                <a14:hiddenEffects xmlns:a14="http://schemas.microsoft.com/office/drawing/2010/main" xmlns="">
+                <a14:hiddenEffects xmlns="" xmlns:a14="http://schemas.microsoft.com/office/drawing/2010/main">
                   <a:effectLst>
                     <a:outerShdw blurRad="63500" dist="38099" dir="2700000" algn="ctr" rotWithShape="0">
                       <a:srgbClr val="000000">
@@ -13366,12 +13366,12 @@
             <a:effectLst/>
             <a:extLst>
               <a:ext uri="{909E8E84-426E-40dd-AFC4-6F175D3DCCD1}">
-                <a14:hiddenFill xmlns:a14="http://schemas.microsoft.com/office/drawing/2010/main" xmlns="">
+                <a14:hiddenFill xmlns="" xmlns:a14="http://schemas.microsoft.com/office/drawing/2010/main">
                   <a:noFill/>
                 </a14:hiddenFill>
               </a:ext>
               <a:ext uri="{AF507438-7753-43e0-B8FC-AC1667EBCBE1}">
-                <a14:hiddenEffects xmlns:a14="http://schemas.microsoft.com/office/drawing/2010/main" xmlns="">
+                <a14:hiddenEffects xmlns="" xmlns:a14="http://schemas.microsoft.com/office/drawing/2010/main">
                   <a:effectLst>
                     <a:outerShdw blurRad="63500" dist="38099" dir="2700000" algn="ctr" rotWithShape="0">
                       <a:srgbClr val="000000">
@@ -13509,12 +13509,12 @@
             <a:effectLst/>
             <a:extLst>
               <a:ext uri="{909E8E84-426E-40dd-AFC4-6F175D3DCCD1}">
-                <a14:hiddenFill xmlns:a14="http://schemas.microsoft.com/office/drawing/2010/main" xmlns="">
+                <a14:hiddenFill xmlns="" xmlns:a14="http://schemas.microsoft.com/office/drawing/2010/main">
                   <a:noFill/>
                 </a14:hiddenFill>
               </a:ext>
               <a:ext uri="{AF507438-7753-43e0-B8FC-AC1667EBCBE1}">
-                <a14:hiddenEffects xmlns:a14="http://schemas.microsoft.com/office/drawing/2010/main" xmlns="">
+                <a14:hiddenEffects xmlns="" xmlns:a14="http://schemas.microsoft.com/office/drawing/2010/main">
                   <a:effectLst>
                     <a:outerShdw blurRad="63500" dist="38099" dir="2700000" algn="ctr" rotWithShape="0">
                       <a:srgbClr val="000000">
@@ -13562,12 +13562,12 @@
             <a:effectLst/>
             <a:extLst>
               <a:ext uri="{909E8E84-426E-40dd-AFC4-6F175D3DCCD1}">
-                <a14:hiddenFill xmlns:a14="http://schemas.microsoft.com/office/drawing/2010/main" xmlns="">
+                <a14:hiddenFill xmlns="" xmlns:a14="http://schemas.microsoft.com/office/drawing/2010/main">
                   <a:noFill/>
                 </a14:hiddenFill>
               </a:ext>
               <a:ext uri="{AF507438-7753-43e0-B8FC-AC1667EBCBE1}">
-                <a14:hiddenEffects xmlns:a14="http://schemas.microsoft.com/office/drawing/2010/main" xmlns="">
+                <a14:hiddenEffects xmlns="" xmlns:a14="http://schemas.microsoft.com/office/drawing/2010/main">
                   <a:effectLst>
                     <a:outerShdw blurRad="63500" dist="38099" dir="2700000" algn="ctr" rotWithShape="0">
                       <a:srgbClr val="000000">
@@ -13610,14 +13610,14 @@
             <a:effectLst/>
             <a:extLst>
               <a:ext uri="{909E8E84-426E-40dd-AFC4-6F175D3DCCD1}">
-                <a14:hiddenFill xmlns:a14="http://schemas.microsoft.com/office/drawing/2010/main" xmlns="">
+                <a14:hiddenFill xmlns="" xmlns:a14="http://schemas.microsoft.com/office/drawing/2010/main">
                   <a:solidFill>
                     <a:srgbClr val="FFFFFF"/>
                   </a:solidFill>
                 </a14:hiddenFill>
               </a:ext>
               <a:ext uri="{91240B29-F687-4f45-9708-019B960494DF}">
-                <a14:hiddenLine xmlns:a14="http://schemas.microsoft.com/office/drawing/2010/main" xmlns="" w="9525">
+                <a14:hiddenLine xmlns="" xmlns:a14="http://schemas.microsoft.com/office/drawing/2010/main" w="9525">
                   <a:solidFill>
                     <a:srgbClr val="000000"/>
                   </a:solidFill>
@@ -13627,7 +13627,7 @@
                 </a14:hiddenLine>
               </a:ext>
               <a:ext uri="{AF507438-7753-43e0-B8FC-AC1667EBCBE1}">
-                <a14:hiddenEffects xmlns:a14="http://schemas.microsoft.com/office/drawing/2010/main" xmlns="">
+                <a14:hiddenEffects xmlns="" xmlns:a14="http://schemas.microsoft.com/office/drawing/2010/main">
                   <a:effectLst>
                     <a:outerShdw blurRad="63500" dist="38099" dir="2700000" algn="ctr" rotWithShape="0">
                       <a:srgbClr val="000000">
@@ -13676,14 +13676,14 @@
             <a:effectLst/>
             <a:extLst>
               <a:ext uri="{909E8E84-426E-40dd-AFC4-6F175D3DCCD1}">
-                <a14:hiddenFill xmlns:a14="http://schemas.microsoft.com/office/drawing/2010/main" xmlns="">
+                <a14:hiddenFill xmlns="" xmlns:a14="http://schemas.microsoft.com/office/drawing/2010/main">
                   <a:solidFill>
                     <a:srgbClr val="FFFFFF"/>
                   </a:solidFill>
                 </a14:hiddenFill>
               </a:ext>
               <a:ext uri="{91240B29-F687-4f45-9708-019B960494DF}">
-                <a14:hiddenLine xmlns:a14="http://schemas.microsoft.com/office/drawing/2010/main" xmlns="" w="9525">
+                <a14:hiddenLine xmlns="" xmlns:a14="http://schemas.microsoft.com/office/drawing/2010/main" w="9525">
                   <a:solidFill>
                     <a:srgbClr val="000000"/>
                   </a:solidFill>
@@ -13693,7 +13693,7 @@
                 </a14:hiddenLine>
               </a:ext>
               <a:ext uri="{AF507438-7753-43e0-B8FC-AC1667EBCBE1}">
-                <a14:hiddenEffects xmlns:a14="http://schemas.microsoft.com/office/drawing/2010/main" xmlns="">
+                <a14:hiddenEffects xmlns="" xmlns:a14="http://schemas.microsoft.com/office/drawing/2010/main">
                   <a:effectLst>
                     <a:outerShdw blurRad="63500" dist="38099" dir="2700000" algn="ctr" rotWithShape="0">
                       <a:srgbClr val="000000">
@@ -13747,12 +13747,12 @@
             <a:effectLst/>
             <a:extLst>
               <a:ext uri="{909E8E84-426E-40dd-AFC4-6F175D3DCCD1}">
-                <a14:hiddenFill xmlns:a14="http://schemas.microsoft.com/office/drawing/2010/main" xmlns="">
+                <a14:hiddenFill xmlns="" xmlns:a14="http://schemas.microsoft.com/office/drawing/2010/main">
                   <a:noFill/>
                 </a14:hiddenFill>
               </a:ext>
               <a:ext uri="{AF507438-7753-43e0-B8FC-AC1667EBCBE1}">
-                <a14:hiddenEffects xmlns:a14="http://schemas.microsoft.com/office/drawing/2010/main" xmlns="">
+                <a14:hiddenEffects xmlns="" xmlns:a14="http://schemas.microsoft.com/office/drawing/2010/main">
                   <a:effectLst>
                     <a:outerShdw blurRad="63500" dist="38099" dir="2700000" algn="ctr" rotWithShape="0">
                       <a:srgbClr val="000000">
@@ -13800,12 +13800,12 @@
             <a:effectLst/>
             <a:extLst>
               <a:ext uri="{909E8E84-426E-40dd-AFC4-6F175D3DCCD1}">
-                <a14:hiddenFill xmlns:a14="http://schemas.microsoft.com/office/drawing/2010/main" xmlns="">
+                <a14:hiddenFill xmlns="" xmlns:a14="http://schemas.microsoft.com/office/drawing/2010/main">
                   <a:noFill/>
                 </a14:hiddenFill>
               </a:ext>
               <a:ext uri="{AF507438-7753-43e0-B8FC-AC1667EBCBE1}">
-                <a14:hiddenEffects xmlns:a14="http://schemas.microsoft.com/office/drawing/2010/main" xmlns="">
+                <a14:hiddenEffects xmlns="" xmlns:a14="http://schemas.microsoft.com/office/drawing/2010/main">
                   <a:effectLst>
                     <a:outerShdw blurRad="63500" dist="38099" dir="2700000" algn="ctr" rotWithShape="0">
                       <a:srgbClr val="000000">
@@ -13937,12 +13937,12 @@
             <a:effectLst/>
             <a:extLst>
               <a:ext uri="{909E8E84-426E-40dd-AFC4-6F175D3DCCD1}">
-                <a14:hiddenFill xmlns:a14="http://schemas.microsoft.com/office/drawing/2010/main" xmlns="">
+                <a14:hiddenFill xmlns="" xmlns:a14="http://schemas.microsoft.com/office/drawing/2010/main">
                   <a:noFill/>
                 </a14:hiddenFill>
               </a:ext>
               <a:ext uri="{AF507438-7753-43e0-B8FC-AC1667EBCBE1}">
-                <a14:hiddenEffects xmlns:a14="http://schemas.microsoft.com/office/drawing/2010/main" xmlns="">
+                <a14:hiddenEffects xmlns="" xmlns:a14="http://schemas.microsoft.com/office/drawing/2010/main">
                   <a:effectLst>
                     <a:outerShdw blurRad="63500" dist="38099" dir="2700000" algn="ctr" rotWithShape="0">
                       <a:srgbClr val="000000">
@@ -14032,12 +14032,12 @@
             <a:effectLst/>
             <a:extLst>
               <a:ext uri="{909E8E84-426E-40dd-AFC4-6F175D3DCCD1}">
-                <a14:hiddenFill xmlns:a14="http://schemas.microsoft.com/office/drawing/2010/main" xmlns="">
+                <a14:hiddenFill xmlns="" xmlns:a14="http://schemas.microsoft.com/office/drawing/2010/main">
                   <a:noFill/>
                 </a14:hiddenFill>
               </a:ext>
               <a:ext uri="{AF507438-7753-43e0-B8FC-AC1667EBCBE1}">
-                <a14:hiddenEffects xmlns:a14="http://schemas.microsoft.com/office/drawing/2010/main" xmlns="">
+                <a14:hiddenEffects xmlns="" xmlns:a14="http://schemas.microsoft.com/office/drawing/2010/main">
                   <a:effectLst>
                     <a:outerShdw blurRad="63500" dist="38099" dir="2700000" algn="ctr" rotWithShape="0">
                       <a:srgbClr val="000000">
@@ -15248,7 +15248,7 @@
           <a:graphicData uri="http://schemas.openxmlformats.org/presentationml/2006/ole">
             <mc:AlternateContent xmlns:mc="http://schemas.openxmlformats.org/markup-compatibility/2006">
               <mc:Choice xmlns:v="urn:schemas-microsoft-com:vml" Requires="v">
-                <p:oleObj spid="_x0000_s37974" name="Bitmap Image" r:id="rId4" imgW="6973273" imgH="1552792" progId="Paint.Picture">
+                <p:oleObj spid="_x0000_s37975" name="Bitmap Image" r:id="rId4" imgW="6973273" imgH="1552792" progId="Paint.Picture">
                   <p:embed/>
                 </p:oleObj>
               </mc:Choice>
@@ -15290,14 +15290,14 @@
                       </a:ln>
                       <a:extLst>
                         <a:ext uri="{909E8E84-426E-40dd-AFC4-6F175D3DCCD1}">
-                          <a14:hiddenFill xmlns:a14="http://schemas.microsoft.com/office/drawing/2010/main" xmlns="">
+                          <a14:hiddenFill xmlns="" xmlns:a14="http://schemas.microsoft.com/office/drawing/2010/main">
                             <a:solidFill>
                               <a:schemeClr val="accent1"/>
                             </a:solidFill>
                           </a14:hiddenFill>
                         </a:ext>
                         <a:ext uri="{91240B29-F687-4f45-9708-019B960494DF}">
-                          <a14:hiddenLine xmlns:a14="http://schemas.microsoft.com/office/drawing/2010/main" xmlns="" w="9525">
+                          <a14:hiddenLine xmlns="" xmlns:a14="http://schemas.microsoft.com/office/drawing/2010/main" w="9525">
                             <a:solidFill>
                               <a:schemeClr val="tx1"/>
                             </a:solidFill>
@@ -17271,14 +17271,14 @@
           </a:ln>
           <a:extLst>
             <a:ext uri="{909E8E84-426E-40dd-AFC4-6F175D3DCCD1}">
-              <a14:hiddenFill xmlns:a14="http://schemas.microsoft.com/office/drawing/2010/main" xmlns="">
+              <a14:hiddenFill xmlns="" xmlns:a14="http://schemas.microsoft.com/office/drawing/2010/main">
                 <a:solidFill>
                   <a:srgbClr val="FFFFFF"/>
                 </a:solidFill>
               </a14:hiddenFill>
             </a:ext>
             <a:ext uri="{91240B29-F687-4f45-9708-019B960494DF}">
-              <a14:hiddenLine xmlns:a14="http://schemas.microsoft.com/office/drawing/2010/main" xmlns="" w="9525">
+              <a14:hiddenLine xmlns="" xmlns:a14="http://schemas.microsoft.com/office/drawing/2010/main" w="9525">
                 <a:solidFill>
                   <a:srgbClr val="000000"/>
                 </a:solidFill>
@@ -17462,14 +17462,14 @@
           </a:ln>
           <a:extLst>
             <a:ext uri="{909E8E84-426E-40dd-AFC4-6F175D3DCCD1}">
-              <a14:hiddenFill xmlns:a14="http://schemas.microsoft.com/office/drawing/2010/main" xmlns="">
+              <a14:hiddenFill xmlns="" xmlns:a14="http://schemas.microsoft.com/office/drawing/2010/main">
                 <a:solidFill>
                   <a:srgbClr val="FFFFFF"/>
                 </a:solidFill>
               </a14:hiddenFill>
             </a:ext>
             <a:ext uri="{91240B29-F687-4f45-9708-019B960494DF}">
-              <a14:hiddenLine xmlns:a14="http://schemas.microsoft.com/office/drawing/2010/main" xmlns="" w="9525">
+              <a14:hiddenLine xmlns="" xmlns:a14="http://schemas.microsoft.com/office/drawing/2010/main" w="9525">
                 <a:solidFill>
                   <a:srgbClr val="000000"/>
                 </a:solidFill>
@@ -17648,14 +17648,14 @@
           </a:ln>
           <a:extLst>
             <a:ext uri="{909E8E84-426E-40dd-AFC4-6F175D3DCCD1}">
-              <a14:hiddenFill xmlns:a14="http://schemas.microsoft.com/office/drawing/2010/main" xmlns="">
+              <a14:hiddenFill xmlns="" xmlns:a14="http://schemas.microsoft.com/office/drawing/2010/main">
                 <a:solidFill>
                   <a:srgbClr val="FFFFFF"/>
                 </a:solidFill>
               </a14:hiddenFill>
             </a:ext>
             <a:ext uri="{91240B29-F687-4f45-9708-019B960494DF}">
-              <a14:hiddenLine xmlns:a14="http://schemas.microsoft.com/office/drawing/2010/main" xmlns="" w="9525">
+              <a14:hiddenLine xmlns="" xmlns:a14="http://schemas.microsoft.com/office/drawing/2010/main" w="9525">
                 <a:solidFill>
                   <a:srgbClr val="000000"/>
                 </a:solidFill>
@@ -19874,7 +19874,7 @@
           <a:graphicData uri="http://schemas.openxmlformats.org/presentationml/2006/ole">
             <mc:AlternateContent xmlns:mc="http://schemas.openxmlformats.org/markup-compatibility/2006">
               <mc:Choice xmlns:v="urn:schemas-microsoft-com:vml" Requires="v">
-                <p:oleObj spid="_x0000_s1061" name="Bitmap Image" r:id="rId4" imgW="7020905" imgH="3809524" progId="Paint.Picture">
+                <p:oleObj spid="_x0000_s1062" name="Bitmap Image" r:id="rId4" imgW="7020905" imgH="3809524" progId="Paint.Picture">
                   <p:embed/>
                 </p:oleObj>
               </mc:Choice>
@@ -19917,14 +19917,14 @@
                       <a:effectLst/>
                       <a:extLst>
                         <a:ext uri="{909E8E84-426E-40dd-AFC4-6F175D3DCCD1}">
-                          <a14:hiddenFill xmlns:a14="http://schemas.microsoft.com/office/drawing/2010/main" xmlns="">
+                          <a14:hiddenFill xmlns="" xmlns:a14="http://schemas.microsoft.com/office/drawing/2010/main">
                             <a:solidFill>
                               <a:schemeClr val="accent1"/>
                             </a:solidFill>
                           </a14:hiddenFill>
                         </a:ext>
                         <a:ext uri="{91240B29-F687-4f45-9708-019B960494DF}">
-                          <a14:hiddenLine xmlns:a14="http://schemas.microsoft.com/office/drawing/2010/main" xmlns="" w="9525">
+                          <a14:hiddenLine xmlns="" xmlns:a14="http://schemas.microsoft.com/office/drawing/2010/main" w="9525">
                             <a:solidFill>
                               <a:schemeClr val="tx1"/>
                             </a:solidFill>
@@ -19934,7 +19934,7 @@
                           </a14:hiddenLine>
                         </a:ext>
                         <a:ext uri="{AF507438-7753-43e0-B8FC-AC1667EBCBE1}">
-                          <a14:hiddenEffects xmlns:a14="http://schemas.microsoft.com/office/drawing/2010/main" xmlns="">
+                          <a14:hiddenEffects xmlns="" xmlns:a14="http://schemas.microsoft.com/office/drawing/2010/main">
                             <a:effectLst>
                               <a:outerShdw blurRad="63500" dist="38099" dir="2700000" algn="ctr" rotWithShape="0">
                                 <a:schemeClr val="bg2">
@@ -19975,14 +19975,14 @@
           </a:ln>
           <a:extLst>
             <a:ext uri="{909E8E84-426E-40dd-AFC4-6F175D3DCCD1}">
-              <a14:hiddenFill xmlns:a14="http://schemas.microsoft.com/office/drawing/2010/main" xmlns="">
+              <a14:hiddenFill xmlns="" xmlns:a14="http://schemas.microsoft.com/office/drawing/2010/main">
                 <a:solidFill>
                   <a:srgbClr val="FFFFFF"/>
                 </a:solidFill>
               </a14:hiddenFill>
             </a:ext>
             <a:ext uri="{91240B29-F687-4f45-9708-019B960494DF}">
-              <a14:hiddenLine xmlns:a14="http://schemas.microsoft.com/office/drawing/2010/main" xmlns="" w="9525">
+              <a14:hiddenLine xmlns="" xmlns:a14="http://schemas.microsoft.com/office/drawing/2010/main" w="9525">
                 <a:solidFill>
                   <a:srgbClr val="000000"/>
                 </a:solidFill>
